--- a/inspirations-showcase/showcase.pptx
+++ b/inspirations-showcase/showcase.pptx
@@ -7773,8 +7773,53 @@
         </p:blipFill>
         <p:spPr bwMode="auto">
           <a:xfrm>
-            <a:off x="2654967" y="1493420"/>
-            <a:ext cx="6882066" cy="3871161"/>
+            <a:off x="3745728" y="2106973"/>
+            <a:ext cx="4700544" cy="2644055"/>
+          </a:xfrm>
+          <a:prstGeom prst="rect">
+            <a:avLst/>
+          </a:prstGeom>
+          <a:noFill/>
+          <a:extLst>
+            <a:ext uri="{909E8E84-426E-40DD-AFC4-6F175D3DCCD1}">
+              <a14:hiddenFill xmlns:a14="http://schemas.microsoft.com/office/drawing/2010/main">
+                <a:solidFill>
+                  <a:srgbClr val="FFFFFF"/>
+                </a:solidFill>
+              </a14:hiddenFill>
+            </a:ext>
+          </a:extLst>
+        </p:spPr>
+      </p:pic>
+      <p:pic>
+        <p:nvPicPr>
+          <p:cNvPr id="1026" name="Picture 2" descr="Znalezione obrazy dla zapytania thats all folks">
+            <a:extLst>
+              <a:ext uri="{FF2B5EF4-FFF2-40B4-BE49-F238E27FC236}">
+                <a16:creationId xmlns:a16="http://schemas.microsoft.com/office/drawing/2014/main" id="{D3A0EA9D-A166-462D-AE99-9D69E6A97370}"/>
+              </a:ext>
+            </a:extLst>
+          </p:cNvPr>
+          <p:cNvPicPr>
+            <a:picLocks noChangeAspect="1" noChangeArrowheads="1"/>
+          </p:cNvPicPr>
+          <p:nvPr/>
+        </p:nvPicPr>
+        <p:blipFill rotWithShape="1">
+          <a:blip r:embed="rId3">
+            <a:extLst>
+              <a:ext uri="{28A0092B-C50C-407E-A947-70E740481C1C}">
+                <a14:useLocalDpi xmlns:a14="http://schemas.microsoft.com/office/drawing/2010/main" val="0"/>
+              </a:ext>
+            </a:extLst>
+          </a:blip>
+          <a:srcRect l="6763" t="5419" r="6763" b="6956"/>
+          <a:stretch/>
+        </p:blipFill>
+        <p:spPr bwMode="auto">
+          <a:xfrm>
+            <a:off x="2495600" y="1340769"/>
+            <a:ext cx="7200850" cy="4104456"/>
           </a:xfrm>
           <a:prstGeom prst="rect">
             <a:avLst/>
@@ -15656,7 +15701,7 @@
           <p:spPr>
             <a:xfrm>
               <a:off x="5303912" y="1799480"/>
-              <a:ext cx="4001545" cy="2769989"/>
+              <a:ext cx="4001545" cy="3016210"/>
             </a:xfrm>
             <a:prstGeom prst="rect">
               <a:avLst/>
@@ -16025,8 +16070,49 @@
                   <a:cs typeface="Segoe UI Light" panose="020B0502040204020203" pitchFamily="34" charset="0"/>
                   <a:sym typeface="Wingdings" panose="05000000000000000000" pitchFamily="2" charset="2"/>
                 </a:rPr>
+                <a:t>: 175 / </a:t>
+              </a:r>
+              <a:r>
+                <a:rPr lang="pl-PL" sz="800" dirty="0" err="1">
+                  <a:solidFill>
+                    <a:schemeClr val="tx1">
+                      <a:lumMod val="50000"/>
+                      <a:lumOff val="50000"/>
+                    </a:schemeClr>
+                  </a:solidFill>
+                  <a:latin typeface="Segoe UI Light" panose="020B0502040204020203" pitchFamily="34" charset="0"/>
+                  <a:cs typeface="Segoe UI Light" panose="020B0502040204020203" pitchFamily="34" charset="0"/>
+                  <a:sym typeface="Wingdings" panose="05000000000000000000" pitchFamily="2" charset="2"/>
+                </a:rPr>
+                <a:t>Embrayer</a:t>
+              </a:r>
+              <a:r>
+                <a:rPr lang="pl-PL" sz="800" dirty="0">
+                  <a:solidFill>
+                    <a:schemeClr val="tx1">
+                      <a:lumMod val="50000"/>
+                      <a:lumOff val="50000"/>
+                    </a:schemeClr>
+                  </a:solidFill>
+                  <a:latin typeface="Segoe UI Light" panose="020B0502040204020203" pitchFamily="34" charset="0"/>
+                  <a:cs typeface="Segoe UI Light" panose="020B0502040204020203" pitchFamily="34" charset="0"/>
+                  <a:sym typeface="Wingdings" panose="05000000000000000000" pitchFamily="2" charset="2"/>
+                </a:rPr>
                 <a:t>: 175</a:t>
               </a:r>
+            </a:p>
+            <a:p>
+              <a:endParaRPr lang="pl-PL" sz="800" dirty="0">
+                <a:solidFill>
+                  <a:schemeClr val="tx1">
+                    <a:lumMod val="50000"/>
+                    <a:lumOff val="50000"/>
+                  </a:schemeClr>
+                </a:solidFill>
+                <a:latin typeface="Segoe UI Light" panose="020B0502040204020203" pitchFamily="34" charset="0"/>
+                <a:cs typeface="Segoe UI Light" panose="020B0502040204020203" pitchFamily="34" charset="0"/>
+                <a:sym typeface="Wingdings" panose="05000000000000000000" pitchFamily="2" charset="2"/>
+              </a:endParaRPr>
             </a:p>
             <a:p>
               <a:endParaRPr lang="pl-PL" sz="1200" b="1" dirty="0">
@@ -16316,8 +16402,49 @@
                   <a:cs typeface="Segoe UI Light" panose="020B0502040204020203" pitchFamily="34" charset="0"/>
                   <a:sym typeface="Wingdings" panose="05000000000000000000" pitchFamily="2" charset="2"/>
                 </a:rPr>
+                <a:t>: 175 / </a:t>
+              </a:r>
+              <a:r>
+                <a:rPr lang="pl-PL" sz="800" dirty="0" err="1">
+                  <a:solidFill>
+                    <a:schemeClr val="tx1">
+                      <a:lumMod val="50000"/>
+                      <a:lumOff val="50000"/>
+                    </a:schemeClr>
+                  </a:solidFill>
+                  <a:latin typeface="Segoe UI Light" panose="020B0502040204020203" pitchFamily="34" charset="0"/>
+                  <a:cs typeface="Segoe UI Light" panose="020B0502040204020203" pitchFamily="34" charset="0"/>
+                  <a:sym typeface="Wingdings" panose="05000000000000000000" pitchFamily="2" charset="2"/>
+                </a:rPr>
+                <a:t>Embrayer</a:t>
+              </a:r>
+              <a:r>
+                <a:rPr lang="pl-PL" sz="800" dirty="0">
+                  <a:solidFill>
+                    <a:schemeClr val="tx1">
+                      <a:lumMod val="50000"/>
+                      <a:lumOff val="50000"/>
+                    </a:schemeClr>
+                  </a:solidFill>
+                  <a:latin typeface="Segoe UI Light" panose="020B0502040204020203" pitchFamily="34" charset="0"/>
+                  <a:cs typeface="Segoe UI Light" panose="020B0502040204020203" pitchFamily="34" charset="0"/>
+                  <a:sym typeface="Wingdings" panose="05000000000000000000" pitchFamily="2" charset="2"/>
+                </a:rPr>
                 <a:t>: 175</a:t>
               </a:r>
+            </a:p>
+            <a:p>
+              <a:endParaRPr lang="pl-PL" sz="800" dirty="0">
+                <a:solidFill>
+                  <a:schemeClr val="tx1">
+                    <a:lumMod val="50000"/>
+                    <a:lumOff val="50000"/>
+                  </a:schemeClr>
+                </a:solidFill>
+                <a:latin typeface="Segoe UI Light" panose="020B0502040204020203" pitchFamily="34" charset="0"/>
+                <a:cs typeface="Segoe UI Light" panose="020B0502040204020203" pitchFamily="34" charset="0"/>
+                <a:sym typeface="Wingdings" panose="05000000000000000000" pitchFamily="2" charset="2"/>
+              </a:endParaRPr>
             </a:p>
             <a:p>
               <a:endParaRPr lang="pl-PL" sz="1200" dirty="0"/>
